--- a/R6S.pptx
+++ b/R6S.pptx
@@ -7,7 +7,13 @@
   <p:sldIdLst>
     <p:sldId id="256" r:id="rId2"/>
     <p:sldId id="257" r:id="rId3"/>
-    <p:sldId id="259" r:id="rId4"/>
+    <p:sldId id="258" r:id="rId4"/>
+    <p:sldId id="259" r:id="rId5"/>
+    <p:sldId id="260" r:id="rId6"/>
+    <p:sldId id="261" r:id="rId7"/>
+    <p:sldId id="264" r:id="rId8"/>
+    <p:sldId id="263" r:id="rId9"/>
+    <p:sldId id="262" r:id="rId10"/>
   </p:sldIdLst>
   <p:sldSz cx="12192000" cy="6858000"/>
   <p:notesSz cx="6858000" cy="9144000"/>
@@ -106,6 +112,11 @@
       </a:defRPr>
     </a:lvl9pPr>
   </p:defaultTextStyle>
+  <p:extLst>
+    <p:ext uri="{EFAFB233-063F-42B5-8137-9DF3F51BA10A}">
+      <p15:sldGuideLst xmlns:p15="http://schemas.microsoft.com/office/powerpoint/2012/main"/>
+    </p:ext>
+  </p:extLst>
 </p:presentation>
 </file>
 
@@ -4152,7 +4163,12 @@
           <a:bodyPr/>
           <a:lstStyle/>
           <a:p>
-            <a:endParaRPr kumimoji="1" lang="ja-JP" altLang="en-US"/>
+            <a:pPr algn="r"/>
+            <a:r>
+              <a:rPr kumimoji="1" lang="en-US" altLang="ja-JP" dirty="0"/>
+              <a:t>earphone </a:t>
+            </a:r>
+            <a:endParaRPr kumimoji="1" lang="ja-JP" altLang="en-US" dirty="0"/>
           </a:p>
         </p:txBody>
       </p:sp>
@@ -4233,12 +4249,12 @@
         <p:spPr>
           <a:xfrm>
             <a:off x="1097280" y="1845734"/>
-            <a:ext cx="10058400" cy="4625404"/>
+            <a:ext cx="10575608" cy="4625404"/>
           </a:xfrm>
         </p:spPr>
         <p:txBody>
-          <a:bodyPr>
-            <a:normAutofit fontScale="92500" lnSpcReduction="10000"/>
+          <a:bodyPr wrap="square">
+            <a:noAutofit/>
           </a:bodyPr>
           <a:lstStyle/>
           <a:p>
@@ -4269,52 +4285,22 @@
             <a:endParaRPr kumimoji="1" lang="en-US" altLang="ja-JP" sz="3200" dirty="0"/>
           </a:p>
           <a:p>
-            <a:pPr marL="0" indent="0">
-              <a:buNone/>
-            </a:pPr>
-            <a:endParaRPr kumimoji="1" lang="en-US" altLang="ja-JP" sz="3200" dirty="0"/>
-          </a:p>
-          <a:p>
             <a:pPr>
               <a:buFont typeface="Wingdings" panose="05000000000000000000" pitchFamily="2" charset="2"/>
               <a:buChar char="l"/>
             </a:pPr>
             <a:r>
               <a:rPr lang="ja-JP" altLang="en-US" sz="3200" dirty="0"/>
-              <a:t>読者として想定される対象　：　～ゴールド帯</a:t>
-            </a:r>
-            <a:endParaRPr lang="en-US" altLang="ja-JP" sz="3200" dirty="0"/>
-          </a:p>
-          <a:p>
-            <a:pPr marL="0" indent="0">
-              <a:buNone/>
-            </a:pPr>
+              <a:t>想定する読者　：　パーティ全員での作戦統一が曖昧、ま</a:t>
+            </a:r>
+            <a:r>
+              <a:rPr lang="en-US" altLang="ja-JP" sz="3200" dirty="0"/>
+              <a:t>					</a:t>
+            </a:r>
             <a:r>
               <a:rPr lang="ja-JP" altLang="en-US" sz="3200" dirty="0"/>
-              <a:t>　（</a:t>
-            </a:r>
-            <a:r>
-              <a:rPr lang="en-US" altLang="ja-JP" sz="3200" dirty="0"/>
-              <a:t>R6S</a:t>
-            </a:r>
-            <a:r>
-              <a:rPr lang="ja-JP" altLang="en-US" sz="3200" dirty="0"/>
-              <a:t>のランクシステムは変動が激しく、適切な表記が難し</a:t>
-            </a:r>
-            <a:r>
-              <a:rPr lang="en-US" altLang="ja-JP" sz="3200" dirty="0"/>
-              <a:t>	</a:t>
-            </a:r>
-            <a:r>
-              <a:rPr lang="ja-JP" altLang="en-US" sz="3200" dirty="0"/>
-              <a:t>いので参考程度に）</a:t>
-            </a:r>
-            <a:endParaRPr lang="en-US" altLang="ja-JP" sz="3200" dirty="0"/>
-          </a:p>
-          <a:p>
-            <a:pPr marL="0" indent="0">
-              <a:buNone/>
-            </a:pPr>
+              <a:t>たは全くない方</a:t>
+            </a:r>
             <a:endParaRPr lang="en-US" altLang="ja-JP" sz="3200" dirty="0"/>
           </a:p>
           <a:p>
@@ -4324,7 +4310,51 @@
             </a:pPr>
             <a:r>
               <a:rPr lang="ja-JP" altLang="en-US" sz="3200" dirty="0"/>
+              <a:t>想定ランク帯　：　～</a:t>
+            </a:r>
+            <a:r>
+              <a:rPr lang="en-US" altLang="ja-JP" sz="3200" dirty="0" err="1"/>
+              <a:t>goldⅠ</a:t>
+            </a:r>
+            <a:r>
+              <a:rPr lang="ja-JP" altLang="en-US" sz="3200" dirty="0"/>
+              <a:t>　</a:t>
+            </a:r>
+            <a:endParaRPr lang="en-US" altLang="ja-JP" sz="3200" dirty="0"/>
+          </a:p>
+          <a:p>
+            <a:pPr marL="0" indent="0">
+              <a:buNone/>
+            </a:pPr>
+            <a:r>
+              <a:rPr lang="en-US" altLang="ja-JP" sz="3200" dirty="0"/>
+              <a:t>				</a:t>
+            </a:r>
+            <a:r>
+              <a:rPr lang="ja-JP" altLang="en-US" sz="3200" dirty="0"/>
+              <a:t>（適切な表記が難しいので参考程度に）</a:t>
+            </a:r>
+            <a:endParaRPr lang="en-US" altLang="ja-JP" sz="3200" dirty="0"/>
+          </a:p>
+          <a:p>
+            <a:pPr>
+              <a:buFont typeface="Wingdings" panose="05000000000000000000" pitchFamily="2" charset="2"/>
+              <a:buChar char="l"/>
+            </a:pPr>
+            <a:r>
+              <a:rPr lang="ja-JP" altLang="en-US" sz="3200" dirty="0"/>
               <a:t>想定されるパーティ人数　：　４，５人</a:t>
+            </a:r>
+            <a:endParaRPr lang="en-US" altLang="ja-JP" sz="3200" dirty="0"/>
+          </a:p>
+          <a:p>
+            <a:pPr>
+              <a:buFont typeface="Wingdings" panose="05000000000000000000" pitchFamily="2" charset="2"/>
+              <a:buChar char="l"/>
+            </a:pPr>
+            <a:r>
+              <a:rPr lang="ja-JP" altLang="en-US" sz="3200" dirty="0"/>
+              <a:t>ランクマッチ、爆弾での運用を想定しています　</a:t>
             </a:r>
             <a:endParaRPr lang="en-US" altLang="ja-JP" sz="3200" dirty="0"/>
           </a:p>
@@ -4398,9 +4428,10 @@
           <a:lstStyle/>
           <a:p>
             <a:r>
-              <a:rPr kumimoji="1" lang="ja-JP" altLang="en-US" dirty="0"/>
-              <a:t>はじめに</a:t>
-            </a:r>
+              <a:rPr lang="ja-JP" altLang="en-US" dirty="0"/>
+              <a:t>注意事項（読み飛ばしても良い）</a:t>
+            </a:r>
+            <a:endParaRPr kumimoji="1" lang="ja-JP" altLang="en-US" dirty="0"/>
           </a:p>
         </p:txBody>
       </p:sp>
@@ -4423,12 +4454,12 @@
         <p:spPr>
           <a:xfrm>
             <a:off x="1097280" y="1845734"/>
-            <a:ext cx="10058400" cy="4625404"/>
+            <a:ext cx="10575608" cy="4625404"/>
           </a:xfrm>
         </p:spPr>
         <p:txBody>
-          <a:bodyPr>
-            <a:normAutofit fontScale="92500" lnSpcReduction="10000"/>
+          <a:bodyPr wrap="square">
+            <a:noAutofit/>
           </a:bodyPr>
           <a:lstStyle/>
           <a:p>
@@ -4437,32 +4468,22 @@
               <a:buChar char="l"/>
             </a:pPr>
             <a:r>
-              <a:rPr kumimoji="1" lang="ja-JP" altLang="en-US" sz="3200" dirty="0"/>
-              <a:t>この資料は</a:t>
-            </a:r>
-            <a:r>
-              <a:rPr kumimoji="1" lang="en-US" altLang="ja-JP" sz="3200" dirty="0"/>
-              <a:t>rainbow six siege </a:t>
-            </a:r>
-            <a:r>
-              <a:rPr kumimoji="1" lang="ja-JP" altLang="en-US" sz="3200" dirty="0"/>
-              <a:t>（以下</a:t>
-            </a:r>
-            <a:r>
               <a:rPr kumimoji="1" lang="en-US" altLang="ja-JP" sz="3200" dirty="0"/>
               <a:t>R6S</a:t>
             </a:r>
             <a:r>
-              <a:rPr kumimoji="1" lang="ja-JP" altLang="en-US" sz="3200" dirty="0"/>
-              <a:t>）における各マップ毎の戦略の一例を紹介するものです</a:t>
-            </a:r>
-            <a:endParaRPr kumimoji="1" lang="en-US" altLang="ja-JP" sz="3200" dirty="0"/>
-          </a:p>
-          <a:p>
-            <a:pPr marL="0" indent="0">
-              <a:buNone/>
-            </a:pPr>
-            <a:endParaRPr kumimoji="1" lang="en-US" altLang="ja-JP" sz="3200" dirty="0"/>
+              <a:rPr lang="ja-JP" altLang="en-US" sz="3200" dirty="0"/>
+              <a:t>は難しいゲームで、ここで紹介する作戦に則れば勝てる</a:t>
+            </a:r>
+            <a:r>
+              <a:rPr lang="en-US" altLang="ja-JP" sz="3200" dirty="0"/>
+              <a:t>	</a:t>
+            </a:r>
+            <a:r>
+              <a:rPr lang="ja-JP" altLang="en-US" sz="3200" dirty="0"/>
+              <a:t>という程単純ではありません</a:t>
+            </a:r>
+            <a:endParaRPr lang="en-US" altLang="ja-JP" sz="3200" dirty="0"/>
           </a:p>
           <a:p>
             <a:pPr>
@@ -4471,17 +4492,15 @@
             </a:pPr>
             <a:r>
               <a:rPr lang="ja-JP" altLang="en-US" sz="3200" dirty="0"/>
-              <a:t>読者として想定される対象　：　～ゴールド帯</a:t>
-            </a:r>
-            <a:endParaRPr lang="en-US" altLang="ja-JP" sz="3200" dirty="0"/>
-          </a:p>
-          <a:p>
-            <a:pPr marL="0" indent="0">
-              <a:buNone/>
-            </a:pPr>
+              <a:t>ここで紹介するような戦略をもとに、その場の状況に合わせ</a:t>
+            </a:r>
+            <a:r>
+              <a:rPr lang="en-US" altLang="ja-JP" sz="3200" dirty="0"/>
+              <a:t>	</a:t>
+            </a:r>
             <a:r>
               <a:rPr lang="ja-JP" altLang="en-US" sz="3200" dirty="0"/>
-              <a:t>　（</a:t>
+              <a:t>た判断を下す事が重要で、それが</a:t>
             </a:r>
             <a:r>
               <a:rPr lang="en-US" altLang="ja-JP" sz="3200" dirty="0"/>
@@ -4489,7 +4508,7 @@
             </a:r>
             <a:r>
               <a:rPr lang="ja-JP" altLang="en-US" sz="3200" dirty="0"/>
-              <a:t>のランクシステムは変動が激しく、適切な表記が難し</a:t>
+              <a:t>の醍醐味と考えて</a:t>
             </a:r>
             <a:r>
               <a:rPr lang="en-US" altLang="ja-JP" sz="3200" dirty="0"/>
@@ -4497,14 +4516,8 @@
             </a:r>
             <a:r>
               <a:rPr lang="ja-JP" altLang="en-US" sz="3200" dirty="0"/>
-              <a:t>いので参考程度に）</a:t>
-            </a:r>
-            <a:endParaRPr lang="en-US" altLang="ja-JP" sz="3200" dirty="0"/>
-          </a:p>
-          <a:p>
-            <a:pPr marL="0" indent="0">
-              <a:buNone/>
-            </a:pPr>
+              <a:t>います</a:t>
+            </a:r>
             <a:endParaRPr lang="en-US" altLang="ja-JP" sz="3200" dirty="0"/>
           </a:p>
           <a:p>
@@ -4514,17 +4527,15 @@
             </a:pPr>
             <a:r>
               <a:rPr lang="ja-JP" altLang="en-US" sz="3200" dirty="0"/>
-              <a:t>想定されるパーティ人数　：　４，５人</a:t>
-            </a:r>
-            <a:endParaRPr lang="en-US" altLang="ja-JP" sz="3200" dirty="0"/>
-          </a:p>
-          <a:p>
-            <a:pPr marL="0" indent="0">
-              <a:buNone/>
-            </a:pPr>
-            <a:r>
-              <a:rPr lang="ja-JP" altLang="en-US" dirty="0"/>
-              <a:t>　</a:t>
+              <a:t>戦略の過程で必要になる個人技も多いですが、全てを網羅</a:t>
+            </a:r>
+            <a:r>
+              <a:rPr lang="en-US" altLang="ja-JP" sz="3200" dirty="0"/>
+              <a:t>	</a:t>
+            </a:r>
+            <a:r>
+              <a:rPr lang="ja-JP" altLang="en-US" sz="3200" dirty="0"/>
+              <a:t>するのは不可能な為、考えられる最小限を記載します</a:t>
             </a:r>
             <a:endParaRPr lang="en-US" altLang="ja-JP" dirty="0"/>
           </a:p>
@@ -4539,7 +4550,986 @@
     </p:spTree>
     <p:extLst>
       <p:ext uri="{BB962C8B-B14F-4D97-AF65-F5344CB8AC3E}">
-        <p14:creationId xmlns:p14="http://schemas.microsoft.com/office/powerpoint/2010/main" val="3669520006"/>
+        <p14:creationId xmlns:p14="http://schemas.microsoft.com/office/powerpoint/2010/main" val="685703435"/>
+      </p:ext>
+    </p:extLst>
+  </p:cSld>
+  <p:clrMapOvr>
+    <a:masterClrMapping/>
+  </p:clrMapOvr>
+</p:sld>
+</file>
+
+<file path=ppt/slides/slide4.xml><?xml version="1.0" encoding="utf-8"?>
+<p:sld xmlns:a="http://schemas.openxmlformats.org/drawingml/2006/main" xmlns:r="http://schemas.openxmlformats.org/officeDocument/2006/relationships" xmlns:p="http://schemas.openxmlformats.org/presentationml/2006/main">
+  <p:cSld>
+    <p:spTree>
+      <p:nvGrpSpPr>
+        <p:cNvPr id="1" name=""/>
+        <p:cNvGrpSpPr/>
+        <p:nvPr/>
+      </p:nvGrpSpPr>
+      <p:grpSpPr>
+        <a:xfrm>
+          <a:off x="0" y="0"/>
+          <a:ext cx="0" cy="0"/>
+          <a:chOff x="0" y="0"/>
+          <a:chExt cx="0" cy="0"/>
+        </a:xfrm>
+      </p:grpSpPr>
+      <p:sp>
+        <p:nvSpPr>
+          <p:cNvPr id="2" name="タイトル 1">
+            <a:extLst>
+              <a:ext uri="{FF2B5EF4-FFF2-40B4-BE49-F238E27FC236}">
+                <a16:creationId xmlns:a16="http://schemas.microsoft.com/office/drawing/2014/main" id="{14781198-964C-4065-91CC-7555B3A04126}"/>
+              </a:ext>
+            </a:extLst>
+          </p:cNvPr>
+          <p:cNvSpPr>
+            <a:spLocks noGrp="1"/>
+          </p:cNvSpPr>
+          <p:nvPr>
+            <p:ph type="title"/>
+          </p:nvPr>
+        </p:nvSpPr>
+        <p:spPr/>
+        <p:txBody>
+          <a:bodyPr/>
+          <a:lstStyle/>
+          <a:p>
+            <a:r>
+              <a:rPr lang="ja-JP" altLang="en-US" dirty="0"/>
+              <a:t>注意事項（読み飛ばしても良い）</a:t>
+            </a:r>
+            <a:endParaRPr kumimoji="1" lang="ja-JP" altLang="en-US" dirty="0"/>
+          </a:p>
+        </p:txBody>
+      </p:sp>
+      <p:sp>
+        <p:nvSpPr>
+          <p:cNvPr id="3" name="コンテンツ プレースホルダー 2">
+            <a:extLst>
+              <a:ext uri="{FF2B5EF4-FFF2-40B4-BE49-F238E27FC236}">
+                <a16:creationId xmlns:a16="http://schemas.microsoft.com/office/drawing/2014/main" id="{1351533B-6AFC-4586-9674-DCF0116EE42D}"/>
+              </a:ext>
+            </a:extLst>
+          </p:cNvPr>
+          <p:cNvSpPr>
+            <a:spLocks noGrp="1"/>
+          </p:cNvSpPr>
+          <p:nvPr>
+            <p:ph idx="1"/>
+          </p:nvPr>
+        </p:nvSpPr>
+        <p:spPr>
+          <a:xfrm>
+            <a:off x="1097280" y="1845734"/>
+            <a:ext cx="10575608" cy="4625404"/>
+          </a:xfrm>
+        </p:spPr>
+        <p:txBody>
+          <a:bodyPr wrap="square">
+            <a:noAutofit/>
+          </a:bodyPr>
+          <a:lstStyle/>
+          <a:p>
+            <a:pPr>
+              <a:buFont typeface="Wingdings" panose="05000000000000000000" pitchFamily="2" charset="2"/>
+              <a:buChar char="l"/>
+            </a:pPr>
+            <a:r>
+              <a:rPr lang="ja-JP" altLang="en-US" sz="3200" dirty="0"/>
+              <a:t>攻撃側、防衛側同様に、ガジェットの状況が変化しますが、</a:t>
+            </a:r>
+            <a:r>
+              <a:rPr lang="en-US" altLang="ja-JP" sz="3200" dirty="0"/>
+              <a:t>	</a:t>
+            </a:r>
+            <a:r>
+              <a:rPr lang="ja-JP" altLang="en-US" sz="3200" dirty="0"/>
+              <a:t>戦略の過程で致命的となるガジェットに絞って記載致しま</a:t>
+            </a:r>
+            <a:r>
+              <a:rPr lang="en-US" altLang="ja-JP" sz="3200" dirty="0"/>
+              <a:t>	</a:t>
+            </a:r>
+            <a:r>
+              <a:rPr lang="ja-JP" altLang="en-US" sz="3200" dirty="0"/>
+              <a:t>す（気になる点や、不足している点はご指摘下さい）</a:t>
+            </a:r>
+            <a:endParaRPr lang="en-US" altLang="ja-JP" sz="3200" dirty="0"/>
+          </a:p>
+          <a:p>
+            <a:pPr>
+              <a:buFont typeface="Wingdings" panose="05000000000000000000" pitchFamily="2" charset="2"/>
+              <a:buChar char="l"/>
+            </a:pPr>
+            <a:r>
+              <a:rPr lang="ja-JP" altLang="en-US" sz="3200" dirty="0"/>
+              <a:t>各マップ</a:t>
+            </a:r>
+            <a:r>
+              <a:rPr lang="en-US" altLang="ja-JP" sz="3200" dirty="0"/>
+              <a:t>4</a:t>
+            </a:r>
+            <a:r>
+              <a:rPr lang="ja-JP" altLang="en-US" sz="3200" dirty="0"/>
+              <a:t>か所の防衛地点が存在しますが、筆者の独断と偏</a:t>
+            </a:r>
+            <a:r>
+              <a:rPr lang="en-US" altLang="ja-JP" sz="3200" dirty="0"/>
+              <a:t>	</a:t>
+            </a:r>
+            <a:r>
+              <a:rPr lang="ja-JP" altLang="en-US" sz="3200" dirty="0"/>
+              <a:t>見で選んだ２地点に絞って記載します</a:t>
+            </a:r>
+            <a:endParaRPr lang="en-US" altLang="ja-JP" sz="3200" dirty="0"/>
+          </a:p>
+          <a:p>
+            <a:pPr marL="0" indent="0">
+              <a:buNone/>
+            </a:pPr>
+            <a:endParaRPr kumimoji="1" lang="ja-JP" altLang="en-US" dirty="0"/>
+          </a:p>
+        </p:txBody>
+      </p:sp>
+    </p:spTree>
+    <p:extLst>
+      <p:ext uri="{BB962C8B-B14F-4D97-AF65-F5344CB8AC3E}">
+        <p14:creationId xmlns:p14="http://schemas.microsoft.com/office/powerpoint/2010/main" val="1669976274"/>
+      </p:ext>
+    </p:extLst>
+  </p:cSld>
+  <p:clrMapOvr>
+    <a:masterClrMapping/>
+  </p:clrMapOvr>
+</p:sld>
+</file>
+
+<file path=ppt/slides/slide5.xml><?xml version="1.0" encoding="utf-8"?>
+<p:sld xmlns:a="http://schemas.openxmlformats.org/drawingml/2006/main" xmlns:r="http://schemas.openxmlformats.org/officeDocument/2006/relationships" xmlns:p="http://schemas.openxmlformats.org/presentationml/2006/main">
+  <p:cSld>
+    <p:spTree>
+      <p:nvGrpSpPr>
+        <p:cNvPr id="1" name=""/>
+        <p:cNvGrpSpPr/>
+        <p:nvPr/>
+      </p:nvGrpSpPr>
+      <p:grpSpPr>
+        <a:xfrm>
+          <a:off x="0" y="0"/>
+          <a:ext cx="0" cy="0"/>
+          <a:chOff x="0" y="0"/>
+          <a:chExt cx="0" cy="0"/>
+        </a:xfrm>
+      </p:grpSpPr>
+      <p:sp>
+        <p:nvSpPr>
+          <p:cNvPr id="2" name="タイトル 1">
+            <a:extLst>
+              <a:ext uri="{FF2B5EF4-FFF2-40B4-BE49-F238E27FC236}">
+                <a16:creationId xmlns:a16="http://schemas.microsoft.com/office/drawing/2014/main" id="{14781198-964C-4065-91CC-7555B3A04126}"/>
+              </a:ext>
+            </a:extLst>
+          </p:cNvPr>
+          <p:cNvSpPr>
+            <a:spLocks noGrp="1"/>
+          </p:cNvSpPr>
+          <p:nvPr>
+            <p:ph type="title"/>
+          </p:nvPr>
+        </p:nvSpPr>
+        <p:spPr/>
+        <p:txBody>
+          <a:bodyPr/>
+          <a:lstStyle/>
+          <a:p>
+            <a:r>
+              <a:rPr kumimoji="1" lang="ja-JP" altLang="en-US" dirty="0"/>
+              <a:t>資料の構成</a:t>
+            </a:r>
+          </a:p>
+        </p:txBody>
+      </p:sp>
+      <p:sp>
+        <p:nvSpPr>
+          <p:cNvPr id="3" name="コンテンツ プレースホルダー 2">
+            <a:extLst>
+              <a:ext uri="{FF2B5EF4-FFF2-40B4-BE49-F238E27FC236}">
+                <a16:creationId xmlns:a16="http://schemas.microsoft.com/office/drawing/2014/main" id="{1351533B-6AFC-4586-9674-DCF0116EE42D}"/>
+              </a:ext>
+            </a:extLst>
+          </p:cNvPr>
+          <p:cNvSpPr>
+            <a:spLocks noGrp="1"/>
+          </p:cNvSpPr>
+          <p:nvPr>
+            <p:ph idx="1"/>
+          </p:nvPr>
+        </p:nvSpPr>
+        <p:spPr>
+          <a:xfrm>
+            <a:off x="1097280" y="1845734"/>
+            <a:ext cx="10575608" cy="4625404"/>
+          </a:xfrm>
+        </p:spPr>
+        <p:txBody>
+          <a:bodyPr wrap="square">
+            <a:noAutofit/>
+          </a:bodyPr>
+          <a:lstStyle/>
+          <a:p>
+            <a:pPr>
+              <a:buFont typeface="Wingdings" panose="05000000000000000000" pitchFamily="2" charset="2"/>
+              <a:buChar char="l"/>
+            </a:pPr>
+            <a:r>
+              <a:rPr lang="ja-JP" altLang="en-US" sz="3200" dirty="0"/>
+              <a:t>競技シーンで用いられている</a:t>
+            </a:r>
+            <a:r>
+              <a:rPr lang="en-US" altLang="ja-JP" sz="3200" dirty="0"/>
+              <a:t>7</a:t>
+            </a:r>
+            <a:r>
+              <a:rPr lang="ja-JP" altLang="en-US" sz="3200" dirty="0"/>
+              <a:t>マップの戦略から記載してい</a:t>
+            </a:r>
+            <a:r>
+              <a:rPr lang="en-US" altLang="ja-JP" sz="3200" dirty="0"/>
+              <a:t>	</a:t>
+            </a:r>
+            <a:r>
+              <a:rPr lang="ja-JP" altLang="en-US" sz="3200" dirty="0"/>
+              <a:t>きますが、余力があればランクマップにも広げます</a:t>
+            </a:r>
+            <a:endParaRPr lang="en-US" altLang="ja-JP" sz="3200" dirty="0"/>
+          </a:p>
+          <a:p>
+            <a:pPr>
+              <a:buFont typeface="Wingdings" panose="05000000000000000000" pitchFamily="2" charset="2"/>
+              <a:buChar char="l"/>
+            </a:pPr>
+            <a:r>
+              <a:rPr kumimoji="1" lang="ja-JP" altLang="en-US" sz="3200" dirty="0"/>
+              <a:t>各マップ攻撃、防衛の順に記載します</a:t>
+            </a:r>
+            <a:endParaRPr kumimoji="1" lang="en-US" altLang="ja-JP" sz="3200" dirty="0"/>
+          </a:p>
+          <a:p>
+            <a:pPr>
+              <a:buFont typeface="Wingdings" panose="05000000000000000000" pitchFamily="2" charset="2"/>
+              <a:buChar char="l"/>
+            </a:pPr>
+            <a:r>
+              <a:rPr lang="ja-JP" altLang="en-US" sz="3200" dirty="0"/>
+              <a:t>各戦略は平均３ステップに分けて記載します</a:t>
+            </a:r>
+            <a:endParaRPr lang="en-US" altLang="ja-JP" sz="3200" dirty="0"/>
+          </a:p>
+          <a:p>
+            <a:pPr marL="0" indent="0">
+              <a:buNone/>
+            </a:pPr>
+            <a:endParaRPr kumimoji="1" lang="ja-JP" altLang="en-US" dirty="0"/>
+          </a:p>
+        </p:txBody>
+      </p:sp>
+    </p:spTree>
+    <p:extLst>
+      <p:ext uri="{BB962C8B-B14F-4D97-AF65-F5344CB8AC3E}">
+        <p14:creationId xmlns:p14="http://schemas.microsoft.com/office/powerpoint/2010/main" val="905734343"/>
+      </p:ext>
+    </p:extLst>
+  </p:cSld>
+  <p:clrMapOvr>
+    <a:masterClrMapping/>
+  </p:clrMapOvr>
+</p:sld>
+</file>
+
+<file path=ppt/slides/slide6.xml><?xml version="1.0" encoding="utf-8"?>
+<p:sld xmlns:a="http://schemas.openxmlformats.org/drawingml/2006/main" xmlns:r="http://schemas.openxmlformats.org/officeDocument/2006/relationships" xmlns:p="http://schemas.openxmlformats.org/presentationml/2006/main">
+  <p:cSld>
+    <p:spTree>
+      <p:nvGrpSpPr>
+        <p:cNvPr id="1" name=""/>
+        <p:cNvGrpSpPr/>
+        <p:nvPr/>
+      </p:nvGrpSpPr>
+      <p:grpSpPr>
+        <a:xfrm>
+          <a:off x="0" y="0"/>
+          <a:ext cx="0" cy="0"/>
+          <a:chOff x="0" y="0"/>
+          <a:chExt cx="0" cy="0"/>
+        </a:xfrm>
+      </p:grpSpPr>
+      <p:sp>
+        <p:nvSpPr>
+          <p:cNvPr id="2" name="タイトル 1">
+            <a:extLst>
+              <a:ext uri="{FF2B5EF4-FFF2-40B4-BE49-F238E27FC236}">
+                <a16:creationId xmlns:a16="http://schemas.microsoft.com/office/drawing/2014/main" id="{14781198-964C-4065-91CC-7555B3A04126}"/>
+              </a:ext>
+            </a:extLst>
+          </p:cNvPr>
+          <p:cNvSpPr>
+            <a:spLocks noGrp="1"/>
+          </p:cNvSpPr>
+          <p:nvPr>
+            <p:ph type="title"/>
+          </p:nvPr>
+        </p:nvSpPr>
+        <p:spPr/>
+        <p:txBody>
+          <a:bodyPr/>
+          <a:lstStyle/>
+          <a:p>
+            <a:r>
+              <a:rPr kumimoji="1" lang="ja-JP" altLang="en-US" dirty="0"/>
+              <a:t>資料の構成</a:t>
+            </a:r>
+          </a:p>
+        </p:txBody>
+      </p:sp>
+      <p:sp>
+        <p:nvSpPr>
+          <p:cNvPr id="3" name="コンテンツ プレースホルダー 2">
+            <a:extLst>
+              <a:ext uri="{FF2B5EF4-FFF2-40B4-BE49-F238E27FC236}">
+                <a16:creationId xmlns:a16="http://schemas.microsoft.com/office/drawing/2014/main" id="{1351533B-6AFC-4586-9674-DCF0116EE42D}"/>
+              </a:ext>
+            </a:extLst>
+          </p:cNvPr>
+          <p:cNvSpPr>
+            <a:spLocks noGrp="1"/>
+          </p:cNvSpPr>
+          <p:nvPr>
+            <p:ph idx="1"/>
+          </p:nvPr>
+        </p:nvSpPr>
+        <p:spPr>
+          <a:xfrm>
+            <a:off x="1097280" y="1845734"/>
+            <a:ext cx="10575608" cy="4625404"/>
+          </a:xfrm>
+        </p:spPr>
+        <p:txBody>
+          <a:bodyPr wrap="square">
+            <a:noAutofit/>
+          </a:bodyPr>
+          <a:lstStyle/>
+          <a:p>
+            <a:pPr>
+              <a:buFont typeface="Wingdings" panose="05000000000000000000" pitchFamily="2" charset="2"/>
+              <a:buChar char="l"/>
+            </a:pPr>
+            <a:r>
+              <a:rPr kumimoji="1" lang="ja-JP" altLang="en-US" sz="3200" dirty="0"/>
+              <a:t>資料内で用いられる配色や図示について</a:t>
+            </a:r>
+            <a:endParaRPr lang="en-US" altLang="ja-JP" sz="3200" dirty="0"/>
+          </a:p>
+          <a:p>
+            <a:pPr>
+              <a:buFont typeface="Wingdings" panose="05000000000000000000" pitchFamily="2" charset="2"/>
+              <a:buChar char="l"/>
+            </a:pPr>
+            <a:r>
+              <a:rPr kumimoji="1" lang="ja-JP" altLang="en-US" sz="3200" dirty="0"/>
+              <a:t>資料内</a:t>
+            </a:r>
+            <a:r>
+              <a:rPr lang="ja-JP" altLang="en-US" sz="3200" dirty="0"/>
+              <a:t>に</a:t>
+            </a:r>
+            <a:r>
+              <a:rPr kumimoji="1" lang="ja-JP" altLang="en-US" sz="3200" dirty="0"/>
+              <a:t>は事実と筆者の主観が混在する為、筆者の主観が</a:t>
+            </a:r>
+            <a:r>
+              <a:rPr kumimoji="1" lang="en-US" altLang="ja-JP" sz="3200" dirty="0"/>
+              <a:t>	</a:t>
+            </a:r>
+            <a:r>
+              <a:rPr kumimoji="1" lang="ja-JP" altLang="en-US" sz="3200" dirty="0"/>
+              <a:t>混ざった記述は</a:t>
+            </a:r>
+            <a:r>
+              <a:rPr kumimoji="1" lang="ja-JP" altLang="en-US" sz="3200" dirty="0">
+                <a:solidFill>
+                  <a:srgbClr val="00B050"/>
+                </a:solidFill>
+              </a:rPr>
+              <a:t>緑字</a:t>
+            </a:r>
+            <a:r>
+              <a:rPr kumimoji="1" lang="ja-JP" altLang="en-US" sz="3200" dirty="0"/>
+              <a:t>で記載します</a:t>
+            </a:r>
+            <a:endParaRPr kumimoji="1" lang="en-US" altLang="ja-JP" sz="3200" dirty="0"/>
+          </a:p>
+          <a:p>
+            <a:pPr>
+              <a:buFont typeface="Wingdings" panose="05000000000000000000" pitchFamily="2" charset="2"/>
+              <a:buChar char="l"/>
+            </a:pPr>
+            <a:r>
+              <a:rPr kumimoji="1" lang="ja-JP" altLang="en-US" sz="3200" dirty="0"/>
+              <a:t>戦略に幅を持たせる為、オペレーターは特徴別に略称を用</a:t>
+            </a:r>
+            <a:r>
+              <a:rPr kumimoji="1" lang="en-US" altLang="ja-JP" sz="3200" dirty="0"/>
+              <a:t>	</a:t>
+            </a:r>
+            <a:r>
+              <a:rPr kumimoji="1" lang="ja-JP" altLang="en-US" sz="3200" dirty="0"/>
+              <a:t>いて色分けをし、</a:t>
+            </a:r>
+            <a:r>
+              <a:rPr lang="ja-JP" altLang="en-US" sz="3200" dirty="0"/>
+              <a:t>抽象的に記載します（資料１）</a:t>
+            </a:r>
+            <a:endParaRPr kumimoji="1" lang="en-US" altLang="ja-JP" sz="3200" dirty="0"/>
+          </a:p>
+        </p:txBody>
+      </p:sp>
+    </p:spTree>
+    <p:extLst>
+      <p:ext uri="{BB962C8B-B14F-4D97-AF65-F5344CB8AC3E}">
+        <p14:creationId xmlns:p14="http://schemas.microsoft.com/office/powerpoint/2010/main" val="432005632"/>
+      </p:ext>
+    </p:extLst>
+  </p:cSld>
+  <p:clrMapOvr>
+    <a:masterClrMapping/>
+  </p:clrMapOvr>
+</p:sld>
+</file>
+
+<file path=ppt/slides/slide7.xml><?xml version="1.0" encoding="utf-8"?>
+<p:sld xmlns:a="http://schemas.openxmlformats.org/drawingml/2006/main" xmlns:r="http://schemas.openxmlformats.org/officeDocument/2006/relationships" xmlns:p="http://schemas.openxmlformats.org/presentationml/2006/main">
+  <p:cSld>
+    <p:spTree>
+      <p:nvGrpSpPr>
+        <p:cNvPr id="1" name=""/>
+        <p:cNvGrpSpPr/>
+        <p:nvPr/>
+      </p:nvGrpSpPr>
+      <p:grpSpPr>
+        <a:xfrm>
+          <a:off x="0" y="0"/>
+          <a:ext cx="0" cy="0"/>
+          <a:chOff x="0" y="0"/>
+          <a:chExt cx="0" cy="0"/>
+        </a:xfrm>
+      </p:grpSpPr>
+      <p:sp>
+        <p:nvSpPr>
+          <p:cNvPr id="2" name="タイトル 1">
+            <a:extLst>
+              <a:ext uri="{FF2B5EF4-FFF2-40B4-BE49-F238E27FC236}">
+                <a16:creationId xmlns:a16="http://schemas.microsoft.com/office/drawing/2014/main" id="{14781198-964C-4065-91CC-7555B3A04126}"/>
+              </a:ext>
+            </a:extLst>
+          </p:cNvPr>
+          <p:cNvSpPr>
+            <a:spLocks noGrp="1"/>
+          </p:cNvSpPr>
+          <p:nvPr>
+            <p:ph type="title"/>
+          </p:nvPr>
+        </p:nvSpPr>
+        <p:spPr/>
+        <p:txBody>
+          <a:bodyPr/>
+          <a:lstStyle/>
+          <a:p>
+            <a:r>
+              <a:rPr kumimoji="1" lang="ja-JP" altLang="en-US" dirty="0"/>
+              <a:t>目次</a:t>
+            </a:r>
+          </a:p>
+        </p:txBody>
+      </p:sp>
+      <p:sp>
+        <p:nvSpPr>
+          <p:cNvPr id="3" name="コンテンツ プレースホルダー 2">
+            <a:extLst>
+              <a:ext uri="{FF2B5EF4-FFF2-40B4-BE49-F238E27FC236}">
+                <a16:creationId xmlns:a16="http://schemas.microsoft.com/office/drawing/2014/main" id="{1351533B-6AFC-4586-9674-DCF0116EE42D}"/>
+              </a:ext>
+            </a:extLst>
+          </p:cNvPr>
+          <p:cNvSpPr>
+            <a:spLocks noGrp="1"/>
+          </p:cNvSpPr>
+          <p:nvPr>
+            <p:ph idx="1"/>
+          </p:nvPr>
+        </p:nvSpPr>
+        <p:spPr>
+          <a:xfrm>
+            <a:off x="1097280" y="1845734"/>
+            <a:ext cx="10575608" cy="4625404"/>
+          </a:xfrm>
+        </p:spPr>
+        <p:txBody>
+          <a:bodyPr wrap="square">
+            <a:noAutofit/>
+          </a:bodyPr>
+          <a:lstStyle/>
+          <a:p>
+            <a:pPr>
+              <a:buFont typeface="Wingdings" panose="05000000000000000000" pitchFamily="2" charset="2"/>
+              <a:buChar char="l"/>
+            </a:pPr>
+            <a:r>
+              <a:rPr kumimoji="1" lang="ja-JP" altLang="en-US" sz="3200" dirty="0"/>
+              <a:t>領事館</a:t>
+            </a:r>
+            <a:endParaRPr kumimoji="1" lang="en-US" altLang="ja-JP" sz="3200" dirty="0"/>
+          </a:p>
+        </p:txBody>
+      </p:sp>
+    </p:spTree>
+    <p:extLst>
+      <p:ext uri="{BB962C8B-B14F-4D97-AF65-F5344CB8AC3E}">
+        <p14:creationId xmlns:p14="http://schemas.microsoft.com/office/powerpoint/2010/main" val="4276016192"/>
+      </p:ext>
+    </p:extLst>
+  </p:cSld>
+  <p:clrMapOvr>
+    <a:masterClrMapping/>
+  </p:clrMapOvr>
+</p:sld>
+</file>
+
+<file path=ppt/slides/slide8.xml><?xml version="1.0" encoding="utf-8"?>
+<p:sld xmlns:a="http://schemas.openxmlformats.org/drawingml/2006/main" xmlns:r="http://schemas.openxmlformats.org/officeDocument/2006/relationships" xmlns:p="http://schemas.openxmlformats.org/presentationml/2006/main">
+  <p:cSld>
+    <p:spTree>
+      <p:nvGrpSpPr>
+        <p:cNvPr id="1" name=""/>
+        <p:cNvGrpSpPr/>
+        <p:nvPr/>
+      </p:nvGrpSpPr>
+      <p:grpSpPr>
+        <a:xfrm>
+          <a:off x="0" y="0"/>
+          <a:ext cx="0" cy="0"/>
+          <a:chOff x="0" y="0"/>
+          <a:chExt cx="0" cy="0"/>
+        </a:xfrm>
+      </p:grpSpPr>
+      <p:sp>
+        <p:nvSpPr>
+          <p:cNvPr id="2" name="タイトル 1">
+            <a:extLst>
+              <a:ext uri="{FF2B5EF4-FFF2-40B4-BE49-F238E27FC236}">
+                <a16:creationId xmlns:a16="http://schemas.microsoft.com/office/drawing/2014/main" id="{14781198-964C-4065-91CC-7555B3A04126}"/>
+              </a:ext>
+            </a:extLst>
+          </p:cNvPr>
+          <p:cNvSpPr>
+            <a:spLocks noGrp="1"/>
+          </p:cNvSpPr>
+          <p:nvPr>
+            <p:ph type="title"/>
+          </p:nvPr>
+        </p:nvSpPr>
+        <p:spPr/>
+        <p:txBody>
+          <a:bodyPr/>
+          <a:lstStyle/>
+          <a:p>
+            <a:r>
+              <a:rPr kumimoji="1" lang="ja-JP" altLang="en-US" dirty="0"/>
+              <a:t>領事館　（所見）</a:t>
+            </a:r>
+          </a:p>
+        </p:txBody>
+      </p:sp>
+      <p:sp>
+        <p:nvSpPr>
+          <p:cNvPr id="3" name="コンテンツ プレースホルダー 2">
+            <a:extLst>
+              <a:ext uri="{FF2B5EF4-FFF2-40B4-BE49-F238E27FC236}">
+                <a16:creationId xmlns:a16="http://schemas.microsoft.com/office/drawing/2014/main" id="{1351533B-6AFC-4586-9674-DCF0116EE42D}"/>
+              </a:ext>
+            </a:extLst>
+          </p:cNvPr>
+          <p:cNvSpPr>
+            <a:spLocks noGrp="1"/>
+          </p:cNvSpPr>
+          <p:nvPr>
+            <p:ph idx="1"/>
+          </p:nvPr>
+        </p:nvSpPr>
+        <p:spPr>
+          <a:xfrm>
+            <a:off x="1097280" y="1845734"/>
+            <a:ext cx="10575608" cy="4625404"/>
+          </a:xfrm>
+        </p:spPr>
+        <p:txBody>
+          <a:bodyPr wrap="square">
+            <a:noAutofit/>
+          </a:bodyPr>
+          <a:lstStyle/>
+          <a:p>
+            <a:pPr>
+              <a:buFont typeface="Wingdings" panose="05000000000000000000" pitchFamily="2" charset="2"/>
+              <a:buChar char="l"/>
+            </a:pPr>
+            <a:r>
+              <a:rPr lang="ja-JP" altLang="en-US" sz="3200" dirty="0"/>
+              <a:t>領事館の防衛地点は</a:t>
+            </a:r>
+            <a:r>
+              <a:rPr lang="ja-JP" altLang="en-US" sz="3200" dirty="0">
+                <a:solidFill>
+                  <a:srgbClr val="00B050"/>
+                </a:solidFill>
+              </a:rPr>
+              <a:t>第一に領事オフィス、会議室、第二に</a:t>
+            </a:r>
+            <a:r>
+              <a:rPr lang="en-US" altLang="ja-JP" sz="3200" dirty="0">
+                <a:solidFill>
+                  <a:srgbClr val="00B050"/>
+                </a:solidFill>
+              </a:rPr>
+              <a:t>	</a:t>
+            </a:r>
+            <a:r>
+              <a:rPr lang="ja-JP" altLang="en-US" sz="3200" dirty="0">
+                <a:solidFill>
+                  <a:srgbClr val="00B050"/>
+                </a:solidFill>
+              </a:rPr>
+              <a:t>ガレージ、カフェテリア</a:t>
+            </a:r>
+            <a:r>
+              <a:rPr lang="ja-JP" altLang="en-US" sz="3200" dirty="0"/>
+              <a:t>が選ばれます</a:t>
+            </a:r>
+            <a:endParaRPr lang="en-US" altLang="ja-JP" sz="3200" dirty="0"/>
+          </a:p>
+          <a:p>
+            <a:pPr>
+              <a:buFont typeface="Wingdings" panose="05000000000000000000" pitchFamily="2" charset="2"/>
+              <a:buChar char="l"/>
+            </a:pPr>
+            <a:r>
+              <a:rPr lang="ja-JP" altLang="en-US" sz="3200" dirty="0"/>
+              <a:t>両防衛地点共に</a:t>
+            </a:r>
+            <a:r>
+              <a:rPr lang="ja-JP" altLang="en-US" sz="3200" dirty="0">
+                <a:solidFill>
+                  <a:srgbClr val="00B050"/>
+                </a:solidFill>
+              </a:rPr>
+              <a:t>防衛側が有利な位置取りが多く、飛び出し</a:t>
+            </a:r>
+            <a:r>
+              <a:rPr lang="en-US" altLang="ja-JP" sz="3200" dirty="0">
+                <a:solidFill>
+                  <a:srgbClr val="00B050"/>
+                </a:solidFill>
+              </a:rPr>
+              <a:t>	</a:t>
+            </a:r>
+            <a:r>
+              <a:rPr lang="ja-JP" altLang="en-US" sz="3200" dirty="0">
+                <a:solidFill>
+                  <a:srgbClr val="00B050"/>
+                </a:solidFill>
+              </a:rPr>
+              <a:t>も豊富</a:t>
+            </a:r>
+            <a:endParaRPr lang="en-US" altLang="ja-JP" sz="3200" dirty="0">
+              <a:solidFill>
+                <a:srgbClr val="00B050"/>
+              </a:solidFill>
+            </a:endParaRPr>
+          </a:p>
+          <a:p>
+            <a:pPr>
+              <a:buFont typeface="Wingdings" panose="05000000000000000000" pitchFamily="2" charset="2"/>
+              <a:buChar char="l"/>
+            </a:pPr>
+            <a:endParaRPr lang="en-US" altLang="ja-JP" sz="3200" dirty="0">
+              <a:solidFill>
+                <a:srgbClr val="00B050"/>
+              </a:solidFill>
+            </a:endParaRPr>
+          </a:p>
+          <a:p>
+            <a:pPr>
+              <a:buFont typeface="Wingdings" panose="05000000000000000000" pitchFamily="2" charset="2"/>
+              <a:buChar char="l"/>
+            </a:pPr>
+            <a:endParaRPr lang="en-US" altLang="ja-JP" sz="3200" dirty="0"/>
+          </a:p>
+          <a:p>
+            <a:pPr>
+              <a:buFont typeface="Wingdings" panose="05000000000000000000" pitchFamily="2" charset="2"/>
+              <a:buChar char="l"/>
+            </a:pPr>
+            <a:endParaRPr lang="en-US" altLang="ja-JP" sz="3200" dirty="0"/>
+          </a:p>
+          <a:p>
+            <a:pPr>
+              <a:buFont typeface="Wingdings" panose="05000000000000000000" pitchFamily="2" charset="2"/>
+              <a:buChar char="l"/>
+            </a:pPr>
+            <a:endParaRPr kumimoji="1" lang="en-US" altLang="ja-JP" sz="3200" dirty="0"/>
+          </a:p>
+          <a:p>
+            <a:pPr>
+              <a:buFont typeface="Wingdings" panose="05000000000000000000" pitchFamily="2" charset="2"/>
+              <a:buChar char="l"/>
+            </a:pPr>
+            <a:endParaRPr kumimoji="1" lang="en-US" altLang="ja-JP" sz="3200" dirty="0"/>
+          </a:p>
+        </p:txBody>
+      </p:sp>
+    </p:spTree>
+    <p:extLst>
+      <p:ext uri="{BB962C8B-B14F-4D97-AF65-F5344CB8AC3E}">
+        <p14:creationId xmlns:p14="http://schemas.microsoft.com/office/powerpoint/2010/main" val="501586342"/>
+      </p:ext>
+    </p:extLst>
+  </p:cSld>
+  <p:clrMapOvr>
+    <a:masterClrMapping/>
+  </p:clrMapOvr>
+</p:sld>
+</file>
+
+<file path=ppt/slides/slide9.xml><?xml version="1.0" encoding="utf-8"?>
+<p:sld xmlns:a="http://schemas.openxmlformats.org/drawingml/2006/main" xmlns:r="http://schemas.openxmlformats.org/officeDocument/2006/relationships" xmlns:p="http://schemas.openxmlformats.org/presentationml/2006/main">
+  <p:cSld>
+    <p:spTree>
+      <p:nvGrpSpPr>
+        <p:cNvPr id="1" name=""/>
+        <p:cNvGrpSpPr/>
+        <p:nvPr/>
+      </p:nvGrpSpPr>
+      <p:grpSpPr>
+        <a:xfrm>
+          <a:off x="0" y="0"/>
+          <a:ext cx="0" cy="0"/>
+          <a:chOff x="0" y="0"/>
+          <a:chExt cx="0" cy="0"/>
+        </a:xfrm>
+      </p:grpSpPr>
+      <p:sp>
+        <p:nvSpPr>
+          <p:cNvPr id="2" name="タイトル 1">
+            <a:extLst>
+              <a:ext uri="{FF2B5EF4-FFF2-40B4-BE49-F238E27FC236}">
+                <a16:creationId xmlns:a16="http://schemas.microsoft.com/office/drawing/2014/main" id="{14781198-964C-4065-91CC-7555B3A04126}"/>
+              </a:ext>
+            </a:extLst>
+          </p:cNvPr>
+          <p:cNvSpPr>
+            <a:spLocks noGrp="1"/>
+          </p:cNvSpPr>
+          <p:nvPr>
+            <p:ph type="title"/>
+          </p:nvPr>
+        </p:nvSpPr>
+        <p:spPr/>
+        <p:txBody>
+          <a:bodyPr/>
+          <a:lstStyle/>
+          <a:p>
+            <a:r>
+              <a:rPr kumimoji="1" lang="ja-JP" altLang="en-US" dirty="0"/>
+              <a:t>参考資料　１　「オペレーター略称」</a:t>
+            </a:r>
+          </a:p>
+        </p:txBody>
+      </p:sp>
+      <p:sp>
+        <p:nvSpPr>
+          <p:cNvPr id="3" name="コンテンツ プレースホルダー 2">
+            <a:extLst>
+              <a:ext uri="{FF2B5EF4-FFF2-40B4-BE49-F238E27FC236}">
+                <a16:creationId xmlns:a16="http://schemas.microsoft.com/office/drawing/2014/main" id="{1351533B-6AFC-4586-9674-DCF0116EE42D}"/>
+              </a:ext>
+            </a:extLst>
+          </p:cNvPr>
+          <p:cNvSpPr>
+            <a:spLocks noGrp="1"/>
+          </p:cNvSpPr>
+          <p:nvPr>
+            <p:ph idx="1"/>
+          </p:nvPr>
+        </p:nvSpPr>
+        <p:spPr>
+          <a:xfrm>
+            <a:off x="685800" y="1845734"/>
+            <a:ext cx="10987088" cy="4625404"/>
+          </a:xfrm>
+        </p:spPr>
+        <p:txBody>
+          <a:bodyPr wrap="square">
+            <a:noAutofit/>
+          </a:bodyPr>
+          <a:lstStyle/>
+          <a:p>
+            <a:pPr>
+              <a:buFont typeface="Wingdings" panose="05000000000000000000" pitchFamily="2" charset="2"/>
+              <a:buChar char="l"/>
+            </a:pPr>
+            <a:r>
+              <a:rPr kumimoji="1" lang="ja-JP" altLang="en-US" sz="3200" dirty="0">
+                <a:solidFill>
+                  <a:srgbClr val="FF0000"/>
+                </a:solidFill>
+              </a:rPr>
+              <a:t>割職</a:t>
+            </a:r>
+            <a:r>
+              <a:rPr kumimoji="1" lang="ja-JP" altLang="en-US" sz="3200" dirty="0"/>
+              <a:t>　：　</a:t>
+            </a:r>
+            <a:r>
+              <a:rPr kumimoji="1" lang="en-US" altLang="ja-JP" sz="3200" dirty="0"/>
+              <a:t>THERMITE,HIBANA </a:t>
+            </a:r>
+          </a:p>
+          <a:p>
+            <a:pPr>
+              <a:buFont typeface="Wingdings" panose="05000000000000000000" pitchFamily="2" charset="2"/>
+              <a:buChar char="l"/>
+            </a:pPr>
+            <a:r>
+              <a:rPr lang="ja-JP" altLang="en-US" sz="3200" dirty="0">
+                <a:solidFill>
+                  <a:schemeClr val="bg1">
+                    <a:lumMod val="50000"/>
+                  </a:schemeClr>
+                </a:solidFill>
+              </a:rPr>
+              <a:t>スモーク</a:t>
+            </a:r>
+            <a:r>
+              <a:rPr lang="ja-JP" altLang="en-US" sz="3200" dirty="0"/>
+              <a:t>　：　スモークグレネード持ち、または</a:t>
+            </a:r>
+            <a:r>
+              <a:rPr lang="en-US" altLang="ja-JP" sz="3200" dirty="0"/>
+              <a:t>KAPITAO</a:t>
+            </a:r>
+          </a:p>
+          <a:p>
+            <a:pPr>
+              <a:buFont typeface="Wingdings" panose="05000000000000000000" pitchFamily="2" charset="2"/>
+              <a:buChar char="l"/>
+            </a:pPr>
+            <a:r>
+              <a:rPr kumimoji="1" lang="ja-JP" altLang="en-US" sz="3200" dirty="0">
+                <a:ln>
+                  <a:solidFill>
+                    <a:schemeClr val="tx1">
+                      <a:lumMod val="95000"/>
+                      <a:lumOff val="5000"/>
+                    </a:schemeClr>
+                  </a:solidFill>
+                </a:ln>
+                <a:solidFill>
+                  <a:srgbClr val="FFFF00"/>
+                </a:solidFill>
+              </a:rPr>
+              <a:t>ソフトブリ</a:t>
+            </a:r>
+            <a:r>
+              <a:rPr kumimoji="1" lang="en-US" altLang="ja-JP" sz="3200" dirty="0">
+                <a:ln>
+                  <a:solidFill>
+                    <a:schemeClr val="tx1">
+                      <a:lumMod val="95000"/>
+                      <a:lumOff val="5000"/>
+                    </a:schemeClr>
+                  </a:solidFill>
+                </a:ln>
+                <a:solidFill>
+                  <a:srgbClr val="FFFF00"/>
+                </a:solidFill>
+              </a:rPr>
+              <a:t>―</a:t>
+            </a:r>
+            <a:r>
+              <a:rPr kumimoji="1" lang="ja-JP" altLang="en-US" sz="3200" dirty="0">
+                <a:ln>
+                  <a:solidFill>
+                    <a:schemeClr val="tx1">
+                      <a:lumMod val="95000"/>
+                      <a:lumOff val="5000"/>
+                    </a:schemeClr>
+                  </a:solidFill>
+                </a:ln>
+                <a:solidFill>
+                  <a:srgbClr val="FFFF00"/>
+                </a:solidFill>
+              </a:rPr>
+              <a:t>チャー</a:t>
+            </a:r>
+            <a:r>
+              <a:rPr kumimoji="1" lang="ja-JP" altLang="en-US" sz="3200" dirty="0"/>
+              <a:t>　：　</a:t>
+            </a:r>
+            <a:r>
+              <a:rPr kumimoji="1" lang="en-US" altLang="ja-JP" sz="3200" dirty="0"/>
+              <a:t>ASH</a:t>
+            </a:r>
+            <a:r>
+              <a:rPr kumimoji="1" lang="ja-JP" altLang="en-US" sz="3200" dirty="0"/>
+              <a:t>のブリーチング弾</a:t>
+            </a:r>
+            <a:r>
+              <a:rPr kumimoji="1" lang="en-US" altLang="ja-JP" sz="3200" dirty="0"/>
+              <a:t>,ZOFIA</a:t>
+            </a:r>
+            <a:r>
+              <a:rPr kumimoji="1" lang="ja-JP" altLang="en-US" sz="3200" dirty="0"/>
+              <a:t>のインパクト</a:t>
+            </a:r>
+            <a:endParaRPr kumimoji="1" lang="en-US" altLang="ja-JP" sz="3200" dirty="0"/>
+          </a:p>
+          <a:p>
+            <a:pPr>
+              <a:buFont typeface="Wingdings" panose="05000000000000000000" pitchFamily="2" charset="2"/>
+              <a:buChar char="l"/>
+            </a:pPr>
+            <a:r>
+              <a:rPr kumimoji="1" lang="ja-JP" altLang="en-US" sz="3200" dirty="0">
+                <a:solidFill>
+                  <a:schemeClr val="accent3"/>
+                </a:solidFill>
+              </a:rPr>
+              <a:t>フラグ</a:t>
+            </a:r>
+            <a:r>
+              <a:rPr kumimoji="1" lang="ja-JP" altLang="en-US" sz="3200" dirty="0"/>
+              <a:t>　：　フラググレネード持ち</a:t>
+            </a:r>
+            <a:endParaRPr kumimoji="1" lang="en-US" altLang="ja-JP" sz="3200" dirty="0"/>
+          </a:p>
+        </p:txBody>
+      </p:sp>
+    </p:spTree>
+    <p:extLst>
+      <p:ext uri="{BB962C8B-B14F-4D97-AF65-F5344CB8AC3E}">
+        <p14:creationId xmlns:p14="http://schemas.microsoft.com/office/powerpoint/2010/main" val="1831847979"/>
       </p:ext>
     </p:extLst>
   </p:cSld>
